--- a/Electrode Motion Denoising/reports/Exective Presentation.pptx
+++ b/Electrode Motion Denoising/reports/Exective Presentation.pptx
@@ -107,6 +107,11 @@
       </a:defRPr>
     </a:lvl9pPr>
   </p:defaultTextStyle>
+  <p:extLst>
+    <p:ext uri="{EFAFB233-063F-42B5-8137-9DF3F51BA10A}">
+      <p15:sldGuideLst xmlns:p15="http://schemas.microsoft.com/office/powerpoint/2012/main"/>
+    </p:ext>
+  </p:extLst>
 </p:presentation>
 </file>
 
@@ -259,7 +264,7 @@
           <a:p>
             <a:fld id="{A36DE23B-E978-439D-B0DE-120F355F8C00}" type="datetimeFigureOut">
               <a:rPr lang="en-GB" smtClean="0"/>
-              <a:t>20/05/2024</a:t>
+              <a:t>21/05/2024</a:t>
             </a:fld>
             <a:endParaRPr lang="en-GB"/>
           </a:p>
@@ -459,7 +464,7 @@
           <a:p>
             <a:fld id="{A36DE23B-E978-439D-B0DE-120F355F8C00}" type="datetimeFigureOut">
               <a:rPr lang="en-GB" smtClean="0"/>
-              <a:t>20/05/2024</a:t>
+              <a:t>21/05/2024</a:t>
             </a:fld>
             <a:endParaRPr lang="en-GB"/>
           </a:p>
@@ -669,7 +674,7 @@
           <a:p>
             <a:fld id="{A36DE23B-E978-439D-B0DE-120F355F8C00}" type="datetimeFigureOut">
               <a:rPr lang="en-GB" smtClean="0"/>
-              <a:t>20/05/2024</a:t>
+              <a:t>21/05/2024</a:t>
             </a:fld>
             <a:endParaRPr lang="en-GB"/>
           </a:p>
@@ -869,7 +874,7 @@
           <a:p>
             <a:fld id="{A36DE23B-E978-439D-B0DE-120F355F8C00}" type="datetimeFigureOut">
               <a:rPr lang="en-GB" smtClean="0"/>
-              <a:t>20/05/2024</a:t>
+              <a:t>21/05/2024</a:t>
             </a:fld>
             <a:endParaRPr lang="en-GB"/>
           </a:p>
@@ -1145,7 +1150,7 @@
           <a:p>
             <a:fld id="{A36DE23B-E978-439D-B0DE-120F355F8C00}" type="datetimeFigureOut">
               <a:rPr lang="en-GB" smtClean="0"/>
-              <a:t>20/05/2024</a:t>
+              <a:t>21/05/2024</a:t>
             </a:fld>
             <a:endParaRPr lang="en-GB"/>
           </a:p>
@@ -1413,7 +1418,7 @@
           <a:p>
             <a:fld id="{A36DE23B-E978-439D-B0DE-120F355F8C00}" type="datetimeFigureOut">
               <a:rPr lang="en-GB" smtClean="0"/>
-              <a:t>20/05/2024</a:t>
+              <a:t>21/05/2024</a:t>
             </a:fld>
             <a:endParaRPr lang="en-GB"/>
           </a:p>
@@ -1828,7 +1833,7 @@
           <a:p>
             <a:fld id="{A36DE23B-E978-439D-B0DE-120F355F8C00}" type="datetimeFigureOut">
               <a:rPr lang="en-GB" smtClean="0"/>
-              <a:t>20/05/2024</a:t>
+              <a:t>21/05/2024</a:t>
             </a:fld>
             <a:endParaRPr lang="en-GB"/>
           </a:p>
@@ -1970,7 +1975,7 @@
           <a:p>
             <a:fld id="{A36DE23B-E978-439D-B0DE-120F355F8C00}" type="datetimeFigureOut">
               <a:rPr lang="en-GB" smtClean="0"/>
-              <a:t>20/05/2024</a:t>
+              <a:t>21/05/2024</a:t>
             </a:fld>
             <a:endParaRPr lang="en-GB"/>
           </a:p>
@@ -2083,7 +2088,7 @@
           <a:p>
             <a:fld id="{A36DE23B-E978-439D-B0DE-120F355F8C00}" type="datetimeFigureOut">
               <a:rPr lang="en-GB" smtClean="0"/>
-              <a:t>20/05/2024</a:t>
+              <a:t>21/05/2024</a:t>
             </a:fld>
             <a:endParaRPr lang="en-GB"/>
           </a:p>
@@ -2396,7 +2401,7 @@
           <a:p>
             <a:fld id="{A36DE23B-E978-439D-B0DE-120F355F8C00}" type="datetimeFigureOut">
               <a:rPr lang="en-GB" smtClean="0"/>
-              <a:t>20/05/2024</a:t>
+              <a:t>21/05/2024</a:t>
             </a:fld>
             <a:endParaRPr lang="en-GB"/>
           </a:p>
@@ -2685,7 +2690,7 @@
           <a:p>
             <a:fld id="{A36DE23B-E978-439D-B0DE-120F355F8C00}" type="datetimeFigureOut">
               <a:rPr lang="en-GB" smtClean="0"/>
-              <a:t>20/05/2024</a:t>
+              <a:t>21/05/2024</a:t>
             </a:fld>
             <a:endParaRPr lang="en-GB"/>
           </a:p>
@@ -2928,7 +2933,7 @@
           <a:p>
             <a:fld id="{A36DE23B-E978-439D-B0DE-120F355F8C00}" type="datetimeFigureOut">
               <a:rPr lang="en-GB" smtClean="0"/>
-              <a:t>20/05/2024</a:t>
+              <a:t>21/05/2024</a:t>
             </a:fld>
             <a:endParaRPr lang="en-GB"/>
           </a:p>
@@ -4595,35 +4600,419 @@
           </a:p>
         </p:txBody>
       </p:sp>
-      <p:pic>
-        <p:nvPicPr>
-          <p:cNvPr id="5" name="Picture 4" descr="Blue and orange Colour Powder background">
-            <a:extLst>
-              <a:ext uri="{FF2B5EF4-FFF2-40B4-BE49-F238E27FC236}">
-                <a16:creationId xmlns:a16="http://schemas.microsoft.com/office/drawing/2014/main" id="{E45AC265-E25F-A0EA-6BED-222ED7C7B5BC}"/>
-              </a:ext>
-            </a:extLst>
-          </p:cNvPr>
-          <p:cNvPicPr>
-            <a:picLocks noChangeAspect="1"/>
-          </p:cNvPicPr>
+      <p:sp>
+        <p:nvSpPr>
+          <p:cNvPr id="3" name="TextBox 2">
+            <a:extLst>
+              <a:ext uri="{FF2B5EF4-FFF2-40B4-BE49-F238E27FC236}">
+                <a16:creationId xmlns:a16="http://schemas.microsoft.com/office/drawing/2014/main" id="{A546190C-CFAE-368B-A93E-2D880CD72081}"/>
+              </a:ext>
+            </a:extLst>
+          </p:cNvPr>
+          <p:cNvSpPr txBox="1"/>
           <p:nvPr/>
-        </p:nvPicPr>
-        <p:blipFill rotWithShape="1">
-          <a:blip r:embed="rId2"/>
-          <a:srcRect t="2972" b="12758"/>
-          <a:stretch/>
-        </p:blipFill>
+        </p:nvSpPr>
         <p:spPr>
           <a:xfrm>
-            <a:off x="4502428" y="1396751"/>
-            <a:ext cx="7225748" cy="4064498"/>
+            <a:off x="4346369" y="478712"/>
+            <a:ext cx="7030192" cy="923330"/>
           </a:xfrm>
           <a:prstGeom prst="rect">
             <a:avLst/>
           </a:prstGeom>
+          <a:noFill/>
         </p:spPr>
-      </p:pic>
+        <p:txBody>
+          <a:bodyPr wrap="square" rtlCol="0">
+            <a:spAutoFit/>
+          </a:bodyPr>
+          <a:lstStyle/>
+          <a:p>
+            <a:pPr marL="285750" indent="-285750">
+              <a:buFont typeface="Arial" panose="020B0604020202020204" pitchFamily="34" charset="0"/>
+              <a:buChar char="•"/>
+            </a:pPr>
+            <a:r>
+              <a:rPr lang="en-US" dirty="0"/>
+              <a:t>Electrocardiographs (ECG’s) can be corrupt with 4 primary sources of noise:</a:t>
+            </a:r>
+          </a:p>
+          <a:p>
+            <a:pPr marL="285750" indent="-285750">
+              <a:buFont typeface="Arial" panose="020B0604020202020204" pitchFamily="34" charset="0"/>
+              <a:buChar char="•"/>
+            </a:pPr>
+            <a:endParaRPr lang="en-US" dirty="0"/>
+          </a:p>
+        </p:txBody>
+      </p:sp>
+      <p:graphicFrame>
+        <p:nvGraphicFramePr>
+          <p:cNvPr id="4" name="Table 3">
+            <a:extLst>
+              <a:ext uri="{FF2B5EF4-FFF2-40B4-BE49-F238E27FC236}">
+                <a16:creationId xmlns:a16="http://schemas.microsoft.com/office/drawing/2014/main" id="{52DC84BC-4CE8-DC0C-3B39-A8FC8477C21B}"/>
+              </a:ext>
+            </a:extLst>
+          </p:cNvPr>
+          <p:cNvGraphicFramePr>
+            <a:graphicFrameLocks noGrp="1"/>
+          </p:cNvGraphicFramePr>
+          <p:nvPr>
+            <p:extLst>
+              <p:ext uri="{D42A27DB-BD31-4B8C-83A1-F6EECF244321}">
+                <p14:modId xmlns:p14="http://schemas.microsoft.com/office/powerpoint/2010/main" val="3498960594"/>
+              </p:ext>
+            </p:extLst>
+          </p:nvPr>
+        </p:nvGraphicFramePr>
+        <p:xfrm>
+          <a:off x="4155469" y="1153413"/>
+          <a:ext cx="7579328" cy="1854200"/>
+        </p:xfrm>
+        <a:graphic>
+          <a:graphicData uri="http://schemas.openxmlformats.org/drawingml/2006/table">
+            <a:tbl>
+              <a:tblPr firstRow="1" bandRow="1">
+                <a:tableStyleId>{5C22544A-7EE6-4342-B048-85BDC9FD1C3A}</a:tableStyleId>
+              </a:tblPr>
+              <a:tblGrid>
+                <a:gridCol w="3789664">
+                  <a:extLst>
+                    <a:ext uri="{9D8B030D-6E8A-4147-A177-3AD203B41FA5}">
+                      <a16:colId xmlns:a16="http://schemas.microsoft.com/office/drawing/2014/main" val="441087157"/>
+                    </a:ext>
+                  </a:extLst>
+                </a:gridCol>
+                <a:gridCol w="3789664">
+                  <a:extLst>
+                    <a:ext uri="{9D8B030D-6E8A-4147-A177-3AD203B41FA5}">
+                      <a16:colId xmlns:a16="http://schemas.microsoft.com/office/drawing/2014/main" val="1783320236"/>
+                    </a:ext>
+                  </a:extLst>
+                </a:gridCol>
+              </a:tblGrid>
+              <a:tr h="370840">
+                <a:tc>
+                  <a:txBody>
+                    <a:bodyPr/>
+                    <a:lstStyle/>
+                    <a:p>
+                      <a:pPr algn="ctr"/>
+                      <a:r>
+                        <a:rPr lang="en-US" dirty="0"/>
+                        <a:t>Noise Source </a:t>
+                      </a:r>
+                    </a:p>
+                  </a:txBody>
+                  <a:tcPr/>
+                </a:tc>
+                <a:tc>
+                  <a:txBody>
+                    <a:bodyPr/>
+                    <a:lstStyle/>
+                    <a:p>
+                      <a:pPr algn="ctr"/>
+                      <a:r>
+                        <a:rPr lang="en-US" dirty="0"/>
+                        <a:t>Typical Frequency Range (Hz)</a:t>
+                      </a:r>
+                    </a:p>
+                  </a:txBody>
+                  <a:tcPr/>
+                </a:tc>
+                <a:extLst>
+                  <a:ext uri="{0D108BD9-81ED-4DB2-BD59-A6C34878D82A}">
+                    <a16:rowId xmlns:a16="http://schemas.microsoft.com/office/drawing/2014/main" val="4114795975"/>
+                  </a:ext>
+                </a:extLst>
+              </a:tr>
+              <a:tr h="370840">
+                <a:tc>
+                  <a:txBody>
+                    <a:bodyPr/>
+                    <a:lstStyle/>
+                    <a:p>
+                      <a:pPr algn="ctr"/>
+                      <a:r>
+                        <a:rPr lang="en-US" dirty="0"/>
+                        <a:t>Baseline Wander</a:t>
+                      </a:r>
+                    </a:p>
+                  </a:txBody>
+                  <a:tcPr/>
+                </a:tc>
+                <a:tc>
+                  <a:txBody>
+                    <a:bodyPr/>
+                    <a:lstStyle/>
+                    <a:p>
+                      <a:pPr algn="ctr"/>
+                      <a:r>
+                        <a:rPr lang="en-US" dirty="0"/>
+                        <a:t>0.1 – 1 </a:t>
+                      </a:r>
+                    </a:p>
+                  </a:txBody>
+                  <a:tcPr/>
+                </a:tc>
+                <a:extLst>
+                  <a:ext uri="{0D108BD9-81ED-4DB2-BD59-A6C34878D82A}">
+                    <a16:rowId xmlns:a16="http://schemas.microsoft.com/office/drawing/2014/main" val="4157478045"/>
+                  </a:ext>
+                </a:extLst>
+              </a:tr>
+              <a:tr h="370840">
+                <a:tc>
+                  <a:txBody>
+                    <a:bodyPr/>
+                    <a:lstStyle/>
+                    <a:p>
+                      <a:pPr algn="ctr"/>
+                      <a:r>
+                        <a:rPr lang="en-US" dirty="0"/>
+                        <a:t>Electrode Motion</a:t>
+                      </a:r>
+                    </a:p>
+                  </a:txBody>
+                  <a:tcPr/>
+                </a:tc>
+                <a:tc>
+                  <a:txBody>
+                    <a:bodyPr/>
+                    <a:lstStyle/>
+                    <a:p>
+                      <a:pPr algn="ctr"/>
+                      <a:r>
+                        <a:rPr lang="en-US" dirty="0"/>
+                        <a:t>1 – 10 </a:t>
+                      </a:r>
+                    </a:p>
+                  </a:txBody>
+                  <a:tcPr/>
+                </a:tc>
+                <a:extLst>
+                  <a:ext uri="{0D108BD9-81ED-4DB2-BD59-A6C34878D82A}">
+                    <a16:rowId xmlns:a16="http://schemas.microsoft.com/office/drawing/2014/main" val="471324484"/>
+                  </a:ext>
+                </a:extLst>
+              </a:tr>
+              <a:tr h="370840">
+                <a:tc>
+                  <a:txBody>
+                    <a:bodyPr/>
+                    <a:lstStyle/>
+                    <a:p>
+                      <a:pPr algn="ctr"/>
+                      <a:r>
+                        <a:rPr lang="en-US" dirty="0"/>
+                        <a:t>Powerline Interference</a:t>
+                      </a:r>
+                    </a:p>
+                  </a:txBody>
+                  <a:tcPr/>
+                </a:tc>
+                <a:tc>
+                  <a:txBody>
+                    <a:bodyPr/>
+                    <a:lstStyle/>
+                    <a:p>
+                      <a:pPr algn="ctr"/>
+                      <a:r>
+                        <a:rPr lang="en-US" dirty="0"/>
+                        <a:t>50 / 60</a:t>
+                      </a:r>
+                    </a:p>
+                  </a:txBody>
+                  <a:tcPr/>
+                </a:tc>
+                <a:extLst>
+                  <a:ext uri="{0D108BD9-81ED-4DB2-BD59-A6C34878D82A}">
+                    <a16:rowId xmlns:a16="http://schemas.microsoft.com/office/drawing/2014/main" val="1127618826"/>
+                  </a:ext>
+                </a:extLst>
+              </a:tr>
+              <a:tr h="370840">
+                <a:tc>
+                  <a:txBody>
+                    <a:bodyPr/>
+                    <a:lstStyle/>
+                    <a:p>
+                      <a:pPr algn="ctr"/>
+                      <a:r>
+                        <a:rPr lang="en-US" dirty="0"/>
+                        <a:t>Muscle Artefact</a:t>
+                      </a:r>
+                    </a:p>
+                  </a:txBody>
+                  <a:tcPr/>
+                </a:tc>
+                <a:tc>
+                  <a:txBody>
+                    <a:bodyPr/>
+                    <a:lstStyle/>
+                    <a:p>
+                      <a:pPr algn="ctr"/>
+                      <a:r>
+                        <a:rPr lang="en-US" dirty="0"/>
+                        <a:t>10 - 1000</a:t>
+                      </a:r>
+                    </a:p>
+                  </a:txBody>
+                  <a:tcPr/>
+                </a:tc>
+                <a:extLst>
+                  <a:ext uri="{0D108BD9-81ED-4DB2-BD59-A6C34878D82A}">
+                    <a16:rowId xmlns:a16="http://schemas.microsoft.com/office/drawing/2014/main" val="1654093763"/>
+                  </a:ext>
+                </a:extLst>
+              </a:tr>
+            </a:tbl>
+          </a:graphicData>
+        </a:graphic>
+      </p:graphicFrame>
+      <p:sp>
+        <p:nvSpPr>
+          <p:cNvPr id="6" name="TextBox 5">
+            <a:extLst>
+              <a:ext uri="{FF2B5EF4-FFF2-40B4-BE49-F238E27FC236}">
+                <a16:creationId xmlns:a16="http://schemas.microsoft.com/office/drawing/2014/main" id="{893F05CE-DC11-C461-D19B-27C760AA36C8}"/>
+              </a:ext>
+            </a:extLst>
+          </p:cNvPr>
+          <p:cNvSpPr txBox="1"/>
+          <p:nvPr/>
+        </p:nvSpPr>
+        <p:spPr>
+          <a:xfrm>
+            <a:off x="4501767" y="3243215"/>
+            <a:ext cx="7030192" cy="3693319"/>
+          </a:xfrm>
+          <a:prstGeom prst="rect">
+            <a:avLst/>
+          </a:prstGeom>
+          <a:noFill/>
+        </p:spPr>
+        <p:txBody>
+          <a:bodyPr wrap="square" rtlCol="0">
+            <a:spAutoFit/>
+          </a:bodyPr>
+          <a:lstStyle/>
+          <a:p>
+            <a:pPr marL="285750" indent="-285750">
+              <a:buFont typeface="Arial" panose="020B0604020202020204" pitchFamily="34" charset="0"/>
+              <a:buChar char="•"/>
+            </a:pPr>
+            <a:r>
+              <a:rPr lang="en-US" dirty="0"/>
+              <a:t>A typical ECG signal contains frequency components between 1 and 50 Hz.</a:t>
+            </a:r>
+          </a:p>
+          <a:p>
+            <a:pPr marL="285750" indent="-285750">
+              <a:buFont typeface="Arial" panose="020B0604020202020204" pitchFamily="34" charset="0"/>
+              <a:buChar char="•"/>
+            </a:pPr>
+            <a:r>
+              <a:rPr lang="en-US" dirty="0"/>
+              <a:t>Electrode Motion, Powerline Interference and Muscle artefact can all overlap with the frequency spectrum of an ECG.</a:t>
+            </a:r>
+          </a:p>
+          <a:p>
+            <a:pPr marL="285750" indent="-285750">
+              <a:buFont typeface="Arial" panose="020B0604020202020204" pitchFamily="34" charset="0"/>
+              <a:buChar char="•"/>
+            </a:pPr>
+            <a:r>
+              <a:rPr lang="en-US" dirty="0"/>
+              <a:t>This leads to </a:t>
+            </a:r>
+            <a:r>
+              <a:rPr lang="en-US" b="1" dirty="0"/>
+              <a:t>distortion</a:t>
+            </a:r>
+            <a:r>
+              <a:rPr lang="en-US" dirty="0"/>
+              <a:t>.</a:t>
+            </a:r>
+          </a:p>
+          <a:p>
+            <a:pPr marL="285750" indent="-285750">
+              <a:buFont typeface="Arial" panose="020B0604020202020204" pitchFamily="34" charset="0"/>
+              <a:buChar char="•"/>
+            </a:pPr>
+            <a:r>
+              <a:rPr lang="en-US" dirty="0"/>
+              <a:t>To remove distortion, digital filters can be used to minimize noise.</a:t>
+            </a:r>
+          </a:p>
+          <a:p>
+            <a:pPr marL="285750" indent="-285750">
+              <a:buFont typeface="Arial" panose="020B0604020202020204" pitchFamily="34" charset="0"/>
+              <a:buChar char="•"/>
+            </a:pPr>
+            <a:r>
+              <a:rPr lang="en-US" dirty="0"/>
+              <a:t>However, digital filters are typically only effective if the noise is </a:t>
+            </a:r>
+            <a:r>
+              <a:rPr lang="en-US" b="1" dirty="0"/>
+              <a:t>linear</a:t>
+            </a:r>
+            <a:r>
+              <a:rPr lang="en-US" dirty="0"/>
+              <a:t> and </a:t>
+            </a:r>
+            <a:r>
+              <a:rPr lang="en-US" b="1" dirty="0"/>
+              <a:t>stationary.</a:t>
+            </a:r>
+          </a:p>
+          <a:p>
+            <a:pPr marL="285750" indent="-285750">
+              <a:buFont typeface="Arial" panose="020B0604020202020204" pitchFamily="34" charset="0"/>
+              <a:buChar char="•"/>
+            </a:pPr>
+            <a:r>
+              <a:rPr lang="en-US" dirty="0"/>
+              <a:t>Electrode Motion and </a:t>
+            </a:r>
+            <a:r>
+              <a:rPr lang="en-US" b="1" dirty="0"/>
+              <a:t>Muscle Artefact </a:t>
+            </a:r>
+            <a:r>
+              <a:rPr lang="en-US" dirty="0"/>
+              <a:t>are non-linear and</a:t>
+            </a:r>
+            <a:r>
+              <a:rPr lang="en-US" b="1" dirty="0"/>
+              <a:t> non-stationary</a:t>
+            </a:r>
+            <a:r>
+              <a:rPr lang="en-US" dirty="0"/>
+              <a:t>.</a:t>
+            </a:r>
+          </a:p>
+          <a:p>
+            <a:pPr marL="285750" indent="-285750">
+              <a:buFont typeface="Arial" panose="020B0604020202020204" pitchFamily="34" charset="0"/>
+              <a:buChar char="•"/>
+            </a:pPr>
+            <a:r>
+              <a:rPr lang="en-US" dirty="0"/>
+              <a:t>Electrode Motion directly overlaps with the P, QRS, and T waves, making it extremely difficult to remove with traditional filters.</a:t>
+            </a:r>
+          </a:p>
+          <a:p>
+            <a:pPr marL="285750" indent="-285750">
+              <a:buFont typeface="Arial" panose="020B0604020202020204" pitchFamily="34" charset="0"/>
+              <a:buChar char="•"/>
+            </a:pPr>
+            <a:endParaRPr lang="en-US" dirty="0"/>
+          </a:p>
+        </p:txBody>
+      </p:sp>
     </p:spTree>
     <p:extLst>
       <p:ext uri="{BB962C8B-B14F-4D97-AF65-F5344CB8AC3E}">
@@ -5343,7 +5732,7 @@
         <p:spPr>
           <a:xfrm>
             <a:off x="4810259" y="649480"/>
-            <a:ext cx="6555347" cy="5546047"/>
+            <a:ext cx="6555347" cy="4957526"/>
           </a:xfrm>
         </p:spPr>
         <p:txBody>
@@ -5352,7 +5741,70 @@
           </a:bodyPr>
           <a:lstStyle/>
           <a:p>
-            <a:endParaRPr lang="en-GB" sz="2000"/>
+            <a:r>
+              <a:rPr lang="en-GB" sz="2000" dirty="0"/>
+              <a:t>A reference database has been created with the following objectives:</a:t>
+            </a:r>
+          </a:p>
+          <a:p>
+            <a:pPr marL="800100" lvl="1" indent="-342900">
+              <a:buFont typeface="+mj-lt"/>
+              <a:buAutoNum type="arabicPeriod"/>
+            </a:pPr>
+            <a:r>
+              <a:rPr lang="en-GB" sz="1600" dirty="0"/>
+              <a:t>ECG signals completely devoid of noise are generated. These will act as a ground truth.</a:t>
+            </a:r>
+          </a:p>
+          <a:p>
+            <a:pPr marL="800100" lvl="1" indent="-342900">
+              <a:buFont typeface="+mj-lt"/>
+              <a:buAutoNum type="arabicPeriod"/>
+            </a:pPr>
+            <a:r>
+              <a:rPr lang="en-GB" sz="1600" dirty="0"/>
+              <a:t>ECG signals are corrupt with Electrode Motion noise.</a:t>
+            </a:r>
+          </a:p>
+          <a:p>
+            <a:pPr marL="800100" lvl="1" indent="-342900">
+              <a:buFont typeface="+mj-lt"/>
+              <a:buAutoNum type="arabicPeriod"/>
+            </a:pPr>
+            <a:endParaRPr lang="en-GB" sz="1600" dirty="0"/>
+          </a:p>
+          <a:p>
+            <a:pPr marL="800100" lvl="1" indent="-342900">
+              <a:buFont typeface="+mj-lt"/>
+              <a:buAutoNum type="arabicPeriod"/>
+            </a:pPr>
+            <a:r>
+              <a:rPr lang="en-GB" sz="1600" dirty="0"/>
+              <a:t>The clean signals contain a large variation of morphologies. This refers to the shape of the P wave, QRS complex, T-Wave and Heart Rate.</a:t>
+            </a:r>
+          </a:p>
+          <a:p>
+            <a:pPr marL="800100" lvl="1" indent="-342900">
+              <a:buFont typeface="+mj-lt"/>
+              <a:buAutoNum type="arabicPeriod"/>
+            </a:pPr>
+            <a:r>
+              <a:rPr lang="en-GB" sz="1600" dirty="0"/>
+              <a:t>There is a large variation of noise signals that are being added to the signal.</a:t>
+            </a:r>
+          </a:p>
+          <a:p>
+            <a:pPr marL="457200" lvl="1" indent="0">
+              <a:buNone/>
+            </a:pPr>
+            <a:endParaRPr lang="en-GB" sz="1600" dirty="0"/>
+          </a:p>
+          <a:p>
+            <a:pPr marL="800100" lvl="1" indent="-342900">
+              <a:buFont typeface="+mj-lt"/>
+              <a:buAutoNum type="arabicPeriod"/>
+            </a:pPr>
+            <a:endParaRPr lang="en-GB" sz="1600" dirty="0"/>
           </a:p>
         </p:txBody>
       </p:sp>
@@ -6084,7 +6536,16 @@
           </a:bodyPr>
           <a:lstStyle/>
           <a:p>
-            <a:endParaRPr lang="en-GB" sz="2000"/>
+            <a:r>
+              <a:rPr lang="en-GB" sz="2000" dirty="0"/>
+              <a:t>Using the reference dataset, train both Machine Learning and Deep Learning models to learn the characteristic shape of noise signals.</a:t>
+            </a:r>
+          </a:p>
+          <a:p>
+            <a:r>
+              <a:rPr lang="en-GB" sz="2000" dirty="0"/>
+              <a:t>Use the model to remove noise from noise corrupt ECG signals.</a:t>
+            </a:r>
           </a:p>
         </p:txBody>
       </p:sp>

--- a/Electrode Motion Denoising/reports/Exective Presentation.pptx
+++ b/Electrode Motion Denoising/reports/Exective Presentation.pptx
@@ -264,7 +264,7 @@
           <a:p>
             <a:fld id="{A36DE23B-E978-439D-B0DE-120F355F8C00}" type="datetimeFigureOut">
               <a:rPr lang="en-GB" smtClean="0"/>
-              <a:t>21/05/2024</a:t>
+              <a:t>23/05/2024</a:t>
             </a:fld>
             <a:endParaRPr lang="en-GB"/>
           </a:p>
@@ -464,7 +464,7 @@
           <a:p>
             <a:fld id="{A36DE23B-E978-439D-B0DE-120F355F8C00}" type="datetimeFigureOut">
               <a:rPr lang="en-GB" smtClean="0"/>
-              <a:t>21/05/2024</a:t>
+              <a:t>23/05/2024</a:t>
             </a:fld>
             <a:endParaRPr lang="en-GB"/>
           </a:p>
@@ -674,7 +674,7 @@
           <a:p>
             <a:fld id="{A36DE23B-E978-439D-B0DE-120F355F8C00}" type="datetimeFigureOut">
               <a:rPr lang="en-GB" smtClean="0"/>
-              <a:t>21/05/2024</a:t>
+              <a:t>23/05/2024</a:t>
             </a:fld>
             <a:endParaRPr lang="en-GB"/>
           </a:p>
@@ -874,7 +874,7 @@
           <a:p>
             <a:fld id="{A36DE23B-E978-439D-B0DE-120F355F8C00}" type="datetimeFigureOut">
               <a:rPr lang="en-GB" smtClean="0"/>
-              <a:t>21/05/2024</a:t>
+              <a:t>23/05/2024</a:t>
             </a:fld>
             <a:endParaRPr lang="en-GB"/>
           </a:p>
@@ -1150,7 +1150,7 @@
           <a:p>
             <a:fld id="{A36DE23B-E978-439D-B0DE-120F355F8C00}" type="datetimeFigureOut">
               <a:rPr lang="en-GB" smtClean="0"/>
-              <a:t>21/05/2024</a:t>
+              <a:t>23/05/2024</a:t>
             </a:fld>
             <a:endParaRPr lang="en-GB"/>
           </a:p>
@@ -1418,7 +1418,7 @@
           <a:p>
             <a:fld id="{A36DE23B-E978-439D-B0DE-120F355F8C00}" type="datetimeFigureOut">
               <a:rPr lang="en-GB" smtClean="0"/>
-              <a:t>21/05/2024</a:t>
+              <a:t>23/05/2024</a:t>
             </a:fld>
             <a:endParaRPr lang="en-GB"/>
           </a:p>
@@ -1833,7 +1833,7 @@
           <a:p>
             <a:fld id="{A36DE23B-E978-439D-B0DE-120F355F8C00}" type="datetimeFigureOut">
               <a:rPr lang="en-GB" smtClean="0"/>
-              <a:t>21/05/2024</a:t>
+              <a:t>23/05/2024</a:t>
             </a:fld>
             <a:endParaRPr lang="en-GB"/>
           </a:p>
@@ -1975,7 +1975,7 @@
           <a:p>
             <a:fld id="{A36DE23B-E978-439D-B0DE-120F355F8C00}" type="datetimeFigureOut">
               <a:rPr lang="en-GB" smtClean="0"/>
-              <a:t>21/05/2024</a:t>
+              <a:t>23/05/2024</a:t>
             </a:fld>
             <a:endParaRPr lang="en-GB"/>
           </a:p>
@@ -2088,7 +2088,7 @@
           <a:p>
             <a:fld id="{A36DE23B-E978-439D-B0DE-120F355F8C00}" type="datetimeFigureOut">
               <a:rPr lang="en-GB" smtClean="0"/>
-              <a:t>21/05/2024</a:t>
+              <a:t>23/05/2024</a:t>
             </a:fld>
             <a:endParaRPr lang="en-GB"/>
           </a:p>
@@ -2401,7 +2401,7 @@
           <a:p>
             <a:fld id="{A36DE23B-E978-439D-B0DE-120F355F8C00}" type="datetimeFigureOut">
               <a:rPr lang="en-GB" smtClean="0"/>
-              <a:t>21/05/2024</a:t>
+              <a:t>23/05/2024</a:t>
             </a:fld>
             <a:endParaRPr lang="en-GB"/>
           </a:p>
@@ -2690,7 +2690,7 @@
           <a:p>
             <a:fld id="{A36DE23B-E978-439D-B0DE-120F355F8C00}" type="datetimeFigureOut">
               <a:rPr lang="en-GB" smtClean="0"/>
-              <a:t>21/05/2024</a:t>
+              <a:t>23/05/2024</a:t>
             </a:fld>
             <a:endParaRPr lang="en-GB"/>
           </a:p>
@@ -2933,7 +2933,7 @@
           <a:p>
             <a:fld id="{A36DE23B-E978-439D-B0DE-120F355F8C00}" type="datetimeFigureOut">
               <a:rPr lang="en-GB" smtClean="0"/>
-              <a:t>21/05/2024</a:t>
+              <a:t>23/05/2024</a:t>
             </a:fld>
             <a:endParaRPr lang="en-GB"/>
           </a:p>
@@ -3918,7 +3918,7 @@
           <a:p>
             <a:pPr algn="l"/>
             <a:r>
-              <a:rPr lang="en-GB" sz="4800">
+              <a:rPr lang="en-GB" sz="4800" dirty="0">
                 <a:solidFill>
                   <a:srgbClr val="FFFFFF"/>
                 </a:solidFill>
@@ -4034,7 +4034,7 @@
           <a:p>
             <a:pPr algn="l"/>
             <a:r>
-              <a:rPr lang="en-GB">
+              <a:rPr lang="en-GB" dirty="0">
                 <a:solidFill>
                   <a:srgbClr val="FFFFFF"/>
                 </a:solidFill>
@@ -5731,23 +5731,35 @@
         </p:nvSpPr>
         <p:spPr>
           <a:xfrm>
-            <a:off x="4810259" y="649480"/>
-            <a:ext cx="6555347" cy="4957526"/>
+            <a:off x="4504548" y="332509"/>
+            <a:ext cx="6555347" cy="6163293"/>
           </a:xfrm>
         </p:spPr>
         <p:txBody>
           <a:bodyPr anchor="ctr">
-            <a:normAutofit/>
+            <a:normAutofit fontScale="85000" lnSpcReduction="20000"/>
           </a:bodyPr>
           <a:lstStyle/>
           <a:p>
-            <a:r>
-              <a:rPr lang="en-GB" sz="2000" dirty="0"/>
+            <a:pPr marL="0" indent="0">
+              <a:buNone/>
+            </a:pPr>
+            <a:r>
+              <a:rPr lang="en-GB" sz="2000" u="sng" dirty="0"/>
+              <a:t>Objectives</a:t>
+            </a:r>
+          </a:p>
+          <a:p>
+            <a:r>
+              <a:rPr lang="en-GB" sz="2000" b="1" dirty="0"/>
               <a:t>A reference database has been created with the following objectives:</a:t>
             </a:r>
           </a:p>
           <a:p>
             <a:pPr marL="800100" lvl="1" indent="-342900">
+              <a:lnSpc>
+                <a:spcPct val="120000"/>
+              </a:lnSpc>
               <a:buFont typeface="+mj-lt"/>
               <a:buAutoNum type="arabicPeriod"/>
             </a:pPr>
@@ -5758,6 +5770,9 @@
           </a:p>
           <a:p>
             <a:pPr marL="800100" lvl="1" indent="-342900">
+              <a:lnSpc>
+                <a:spcPct val="120000"/>
+              </a:lnSpc>
               <a:buFont typeface="+mj-lt"/>
               <a:buAutoNum type="arabicPeriod"/>
             </a:pPr>
@@ -5768,6 +5783,9 @@
           </a:p>
           <a:p>
             <a:pPr marL="800100" lvl="1" indent="-342900">
+              <a:lnSpc>
+                <a:spcPct val="120000"/>
+              </a:lnSpc>
               <a:buFont typeface="+mj-lt"/>
               <a:buAutoNum type="arabicPeriod"/>
             </a:pPr>
@@ -5775,6 +5793,9 @@
           </a:p>
           <a:p>
             <a:pPr marL="800100" lvl="1" indent="-342900">
+              <a:lnSpc>
+                <a:spcPct val="120000"/>
+              </a:lnSpc>
               <a:buFont typeface="+mj-lt"/>
               <a:buAutoNum type="arabicPeriod"/>
             </a:pPr>
@@ -5785,12 +5806,104 @@
           </a:p>
           <a:p>
             <a:pPr marL="800100" lvl="1" indent="-342900">
+              <a:lnSpc>
+                <a:spcPct val="120000"/>
+              </a:lnSpc>
               <a:buFont typeface="+mj-lt"/>
               <a:buAutoNum type="arabicPeriod"/>
             </a:pPr>
             <a:r>
               <a:rPr lang="en-GB" sz="1600" dirty="0"/>
               <a:t>There is a large variation of noise signals that are being added to the signal.</a:t>
+            </a:r>
+          </a:p>
+          <a:p>
+            <a:pPr marL="457200" lvl="1" indent="0">
+              <a:buNone/>
+            </a:pPr>
+            <a:endParaRPr lang="en-GB" sz="1600" dirty="0"/>
+          </a:p>
+          <a:p>
+            <a:pPr marL="0" indent="0">
+              <a:buNone/>
+            </a:pPr>
+            <a:r>
+              <a:rPr lang="en-GB" sz="2000" u="sng" dirty="0"/>
+              <a:t>Methodology </a:t>
+            </a:r>
+          </a:p>
+          <a:p>
+            <a:r>
+              <a:rPr lang="en-GB" sz="2000" b="1" dirty="0"/>
+              <a:t>To achieve each of the objectives listed above:</a:t>
+            </a:r>
+          </a:p>
+          <a:p>
+            <a:pPr marL="914400" lvl="1" indent="-457200">
+              <a:lnSpc>
+                <a:spcPct val="120000"/>
+              </a:lnSpc>
+              <a:buFont typeface="+mj-lt"/>
+              <a:buAutoNum type="arabicPeriod"/>
+            </a:pPr>
+            <a:r>
+              <a:rPr lang="en-GB" sz="1600" dirty="0"/>
+              <a:t>Clean ECG signals were derived from 1</a:t>
+            </a:r>
+            <a:r>
+              <a:rPr lang="en-GB" sz="1600" baseline="30000" dirty="0"/>
+              <a:t>st</a:t>
+            </a:r>
+            <a:r>
+              <a:rPr lang="en-GB" sz="1600" dirty="0"/>
+              <a:t> order differential equations modelled on the electrical signal of the heart.</a:t>
+            </a:r>
+          </a:p>
+          <a:p>
+            <a:pPr marL="914400" lvl="1" indent="-457200">
+              <a:lnSpc>
+                <a:spcPct val="120000"/>
+              </a:lnSpc>
+              <a:buFont typeface="+mj-lt"/>
+              <a:buAutoNum type="arabicPeriod"/>
+            </a:pPr>
+            <a:r>
+              <a:rPr lang="en-GB" sz="1600" dirty="0"/>
+              <a:t>30-minute Electrode Motion noise file was extracted from </a:t>
+            </a:r>
+            <a:r>
+              <a:rPr lang="en-GB" sz="1600" dirty="0" err="1"/>
+              <a:t>Physionets</a:t>
+            </a:r>
+            <a:r>
+              <a:rPr lang="en-GB" sz="1600" dirty="0"/>
+              <a:t>’ Noise Stress Test Database (NSTDB) and linearly added to the clean ECG signal.</a:t>
+            </a:r>
+          </a:p>
+          <a:p>
+            <a:pPr marL="914400" lvl="1" indent="-457200">
+              <a:lnSpc>
+                <a:spcPct val="120000"/>
+              </a:lnSpc>
+              <a:buFont typeface="+mj-lt"/>
+              <a:buAutoNum type="arabicPeriod"/>
+            </a:pPr>
+            <a:r>
+              <a:rPr lang="en-GB" sz="1600" dirty="0"/>
+              <a:t>The features within each ECG cycles (P, QRS, T) were iteratively altered using Latin Hypercube sampling.</a:t>
+            </a:r>
+          </a:p>
+          <a:p>
+            <a:pPr marL="914400" lvl="1" indent="-457200">
+              <a:lnSpc>
+                <a:spcPct val="120000"/>
+              </a:lnSpc>
+              <a:buFont typeface="+mj-lt"/>
+              <a:buAutoNum type="arabicPeriod"/>
+            </a:pPr>
+            <a:r>
+              <a:rPr lang="en-GB" sz="1600" dirty="0"/>
+              <a:t>Auto-regression modelling was used to estimate a large noise database, using the 30-minute record as an input.</a:t>
             </a:r>
           </a:p>
           <a:p>
@@ -6526,8 +6639,8 @@
         </p:nvSpPr>
         <p:spPr>
           <a:xfrm>
-            <a:off x="4810259" y="649480"/>
-            <a:ext cx="6555347" cy="5546047"/>
+            <a:off x="4810259" y="649481"/>
+            <a:ext cx="6555347" cy="5775070"/>
           </a:xfrm>
         </p:spPr>
         <p:txBody>
@@ -6536,16 +6649,154 @@
           </a:bodyPr>
           <a:lstStyle/>
           <a:p>
-            <a:r>
-              <a:rPr lang="en-GB" sz="2000" dirty="0"/>
-              <a:t>Using the reference dataset, train both Machine Learning and Deep Learning models to learn the characteristic shape of noise signals.</a:t>
-            </a:r>
-          </a:p>
-          <a:p>
-            <a:r>
-              <a:rPr lang="en-GB" sz="2000" dirty="0"/>
-              <a:t>Use the model to remove noise from noise corrupt ECG signals.</a:t>
-            </a:r>
+            <a:pPr marL="0" indent="0" algn="ctr">
+              <a:buNone/>
+            </a:pPr>
+            <a:r>
+              <a:rPr lang="en-GB" sz="2400" b="1" u="sng" dirty="0"/>
+              <a:t>Algorithm Development</a:t>
+            </a:r>
+          </a:p>
+          <a:p>
+            <a:pPr marL="0" indent="0">
+              <a:lnSpc>
+                <a:spcPct val="170000"/>
+              </a:lnSpc>
+              <a:buNone/>
+            </a:pPr>
+            <a:r>
+              <a:rPr lang="en-GB" sz="1600" b="1" i="1" u="none" strike="noStrike" dirty="0">
+                <a:solidFill>
+                  <a:srgbClr val="0D0D0D"/>
+                </a:solidFill>
+                <a:effectLst/>
+                <a:latin typeface="Söhne"/>
+              </a:rPr>
+              <a:t>1. Model Selection:</a:t>
+            </a:r>
+            <a:r>
+              <a:rPr lang="en-GB" sz="1600" b="0" i="1" u="none" strike="noStrike" dirty="0">
+                <a:solidFill>
+                  <a:srgbClr val="0D0D0D"/>
+                </a:solidFill>
+                <a:effectLst/>
+                <a:latin typeface="Söhne"/>
+              </a:rPr>
+              <a:t> Evaluate various machine learning (e.g., SVM, Random Forest) and deep learning models (e.g., CNN, LSTM).</a:t>
+            </a:r>
+          </a:p>
+          <a:p>
+            <a:pPr marL="0" indent="0">
+              <a:buNone/>
+            </a:pPr>
+            <a:endParaRPr lang="en-GB" sz="1600" i="1" dirty="0">
+              <a:solidFill>
+                <a:srgbClr val="0D0D0D"/>
+              </a:solidFill>
+              <a:latin typeface="Söhne"/>
+            </a:endParaRPr>
+          </a:p>
+          <a:p>
+            <a:pPr marL="0" indent="0">
+              <a:buNone/>
+            </a:pPr>
+            <a:r>
+              <a:rPr lang="en-GB" sz="1600" b="1" i="1" u="none" strike="noStrike" dirty="0">
+                <a:solidFill>
+                  <a:srgbClr val="0D0D0D"/>
+                </a:solidFill>
+                <a:effectLst/>
+                <a:latin typeface="Söhne"/>
+              </a:rPr>
+              <a:t>2. Training:</a:t>
+            </a:r>
+            <a:r>
+              <a:rPr lang="en-GB" sz="1600" b="0" i="1" u="none" strike="noStrike" dirty="0">
+                <a:solidFill>
+                  <a:srgbClr val="0D0D0D"/>
+                </a:solidFill>
+                <a:effectLst/>
+                <a:latin typeface="Söhne"/>
+              </a:rPr>
+              <a:t> Train models using the reference database, optimizing for noise removal efficiency. An enhanced Loss function (WEDD) will be employed in an attempt to improve learning capability.</a:t>
+            </a:r>
+          </a:p>
+          <a:p>
+            <a:pPr marL="0" indent="0">
+              <a:buNone/>
+            </a:pPr>
+            <a:endParaRPr lang="en-GB" sz="1600" i="1" dirty="0">
+              <a:solidFill>
+                <a:srgbClr val="0D0D0D"/>
+              </a:solidFill>
+              <a:latin typeface="Söhne"/>
+            </a:endParaRPr>
+          </a:p>
+          <a:p>
+            <a:pPr marL="0" indent="0" algn="ctr">
+              <a:buNone/>
+            </a:pPr>
+            <a:r>
+              <a:rPr lang="en-GB" sz="2400" b="1" u="sng" dirty="0"/>
+              <a:t>Validation</a:t>
+            </a:r>
+            <a:endParaRPr lang="en-GB" sz="1600" b="1" u="sng" dirty="0"/>
+          </a:p>
+          <a:p>
+            <a:pPr marL="342900" indent="-342900">
+              <a:buAutoNum type="arabicPeriod"/>
+            </a:pPr>
+            <a:r>
+              <a:rPr lang="en-GB" sz="1600" b="1" dirty="0"/>
+              <a:t>Performance Metrics: </a:t>
+            </a:r>
+            <a:r>
+              <a:rPr lang="en-GB" sz="1600" dirty="0"/>
+              <a:t>Statistical measures for time series signals such as SNR improvement, RMSE, Cross-Correlation will be used. Furthermore, a diagnostic performance metric designed specifically for ECG signals (Wavelet Energy Based Diagnostic Distortion) will be employed.</a:t>
+            </a:r>
+          </a:p>
+          <a:p>
+            <a:pPr marL="342900" indent="-342900">
+              <a:buAutoNum type="arabicPeriod"/>
+            </a:pPr>
+            <a:r>
+              <a:rPr lang="en-GB" sz="1600" b="1" dirty="0"/>
+              <a:t>Testing: </a:t>
+            </a:r>
+            <a:r>
+              <a:rPr lang="en-GB" sz="1600" dirty="0"/>
+              <a:t>Performance will be tested on real world signals and unseen data generated synthetically.</a:t>
+            </a:r>
+            <a:endParaRPr lang="en-GB" sz="1600" i="1" dirty="0">
+              <a:solidFill>
+                <a:srgbClr val="0D0D0D"/>
+              </a:solidFill>
+              <a:latin typeface="Söhne"/>
+            </a:endParaRPr>
+          </a:p>
+          <a:p>
+            <a:pPr marL="0" indent="0">
+              <a:buNone/>
+            </a:pPr>
+            <a:endParaRPr lang="en-GB" sz="1600" b="0" i="1" u="none" strike="noStrike" dirty="0">
+              <a:solidFill>
+                <a:srgbClr val="0D0D0D"/>
+              </a:solidFill>
+              <a:effectLst/>
+              <a:latin typeface="Söhne"/>
+            </a:endParaRPr>
+          </a:p>
+          <a:p>
+            <a:pPr marL="0" indent="0">
+              <a:buNone/>
+            </a:pPr>
+            <a:endParaRPr lang="en-GB" sz="1600" b="0" i="1" u="none" strike="noStrike" dirty="0">
+              <a:solidFill>
+                <a:srgbClr val="0D0D0D"/>
+              </a:solidFill>
+              <a:effectLst/>
+              <a:latin typeface="Söhne"/>
+            </a:endParaRPr>
           </a:p>
         </p:txBody>
       </p:sp>

--- a/Electrode Motion Denoising/reports/Exective Presentation.pptx
+++ b/Electrode Motion Denoising/reports/Exective Presentation.pptx
@@ -4,6 +4,9 @@
   <p:sldMasterIdLst>
     <p:sldMasterId id="2147483648" r:id="rId1"/>
   </p:sldMasterIdLst>
+  <p:notesMasterIdLst>
+    <p:notesMasterId r:id="rId6"/>
+  </p:notesMasterIdLst>
   <p:sldIdLst>
     <p:sldId id="256" r:id="rId2"/>
     <p:sldId id="257" r:id="rId3"/>
@@ -115,6 +118,440 @@
 </p:presentation>
 </file>
 
+<file path=ppt/notesMasters/notesMaster1.xml><?xml version="1.0" encoding="utf-8"?>
+<p:notesMaster xmlns:a="http://schemas.openxmlformats.org/drawingml/2006/main" xmlns:r="http://schemas.openxmlformats.org/officeDocument/2006/relationships" xmlns:p="http://schemas.openxmlformats.org/presentationml/2006/main">
+  <p:cSld>
+    <p:bg>
+      <p:bgRef idx="1001">
+        <a:schemeClr val="bg1"/>
+      </p:bgRef>
+    </p:bg>
+    <p:spTree>
+      <p:nvGrpSpPr>
+        <p:cNvPr id="1" name=""/>
+        <p:cNvGrpSpPr/>
+        <p:nvPr/>
+      </p:nvGrpSpPr>
+      <p:grpSpPr>
+        <a:xfrm>
+          <a:off x="0" y="0"/>
+          <a:ext cx="0" cy="0"/>
+          <a:chOff x="0" y="0"/>
+          <a:chExt cx="0" cy="0"/>
+        </a:xfrm>
+      </p:grpSpPr>
+      <p:sp>
+        <p:nvSpPr>
+          <p:cNvPr id="2" name="Header Placeholder 1"/>
+          <p:cNvSpPr>
+            <a:spLocks noGrp="1"/>
+          </p:cNvSpPr>
+          <p:nvPr>
+            <p:ph type="hdr" sz="quarter"/>
+          </p:nvPr>
+        </p:nvSpPr>
+        <p:spPr>
+          <a:xfrm>
+            <a:off x="0" y="0"/>
+            <a:ext cx="2971800" cy="458788"/>
+          </a:xfrm>
+          <a:prstGeom prst="rect">
+            <a:avLst/>
+          </a:prstGeom>
+        </p:spPr>
+        <p:txBody>
+          <a:bodyPr vert="horz" lIns="91440" tIns="45720" rIns="91440" bIns="45720" rtlCol="0"/>
+          <a:lstStyle>
+            <a:lvl1pPr algn="l">
+              <a:defRPr sz="1200"/>
+            </a:lvl1pPr>
+          </a:lstStyle>
+          <a:p>
+            <a:endParaRPr lang="en-US"/>
+          </a:p>
+        </p:txBody>
+      </p:sp>
+      <p:sp>
+        <p:nvSpPr>
+          <p:cNvPr id="3" name="Date Placeholder 2"/>
+          <p:cNvSpPr>
+            <a:spLocks noGrp="1"/>
+          </p:cNvSpPr>
+          <p:nvPr>
+            <p:ph type="dt" idx="1"/>
+          </p:nvPr>
+        </p:nvSpPr>
+        <p:spPr>
+          <a:xfrm>
+            <a:off x="3884613" y="0"/>
+            <a:ext cx="2971800" cy="458788"/>
+          </a:xfrm>
+          <a:prstGeom prst="rect">
+            <a:avLst/>
+          </a:prstGeom>
+        </p:spPr>
+        <p:txBody>
+          <a:bodyPr vert="horz" lIns="91440" tIns="45720" rIns="91440" bIns="45720" rtlCol="0"/>
+          <a:lstStyle>
+            <a:lvl1pPr algn="r">
+              <a:defRPr sz="1200"/>
+            </a:lvl1pPr>
+          </a:lstStyle>
+          <a:p>
+            <a:fld id="{A17F34B7-035D-7D4A-80A4-A0029DF89675}" type="datetimeFigureOut">
+              <a:rPr lang="en-US" smtClean="0"/>
+              <a:t>5/28/24</a:t>
+            </a:fld>
+            <a:endParaRPr lang="en-US"/>
+          </a:p>
+        </p:txBody>
+      </p:sp>
+      <p:sp>
+        <p:nvSpPr>
+          <p:cNvPr id="4" name="Slide Image Placeholder 3"/>
+          <p:cNvSpPr>
+            <a:spLocks noGrp="1" noRot="1" noChangeAspect="1"/>
+          </p:cNvSpPr>
+          <p:nvPr>
+            <p:ph type="sldImg" idx="2"/>
+          </p:nvPr>
+        </p:nvSpPr>
+        <p:spPr>
+          <a:xfrm>
+            <a:off x="685800" y="1143000"/>
+            <a:ext cx="5486400" cy="3086100"/>
+          </a:xfrm>
+          <a:prstGeom prst="rect">
+            <a:avLst/>
+          </a:prstGeom>
+          <a:noFill/>
+          <a:ln w="12700">
+            <a:solidFill>
+              <a:prstClr val="black"/>
+            </a:solidFill>
+          </a:ln>
+        </p:spPr>
+        <p:txBody>
+          <a:bodyPr vert="horz" lIns="91440" tIns="45720" rIns="91440" bIns="45720" rtlCol="0" anchor="ctr"/>
+          <a:lstStyle/>
+          <a:p>
+            <a:endParaRPr lang="en-US"/>
+          </a:p>
+        </p:txBody>
+      </p:sp>
+      <p:sp>
+        <p:nvSpPr>
+          <p:cNvPr id="5" name="Notes Placeholder 4"/>
+          <p:cNvSpPr>
+            <a:spLocks noGrp="1"/>
+          </p:cNvSpPr>
+          <p:nvPr>
+            <p:ph type="body" sz="quarter" idx="3"/>
+          </p:nvPr>
+        </p:nvSpPr>
+        <p:spPr>
+          <a:xfrm>
+            <a:off x="685800" y="4400550"/>
+            <a:ext cx="5486400" cy="3600450"/>
+          </a:xfrm>
+          <a:prstGeom prst="rect">
+            <a:avLst/>
+          </a:prstGeom>
+        </p:spPr>
+        <p:txBody>
+          <a:bodyPr vert="horz" lIns="91440" tIns="45720" rIns="91440" bIns="45720" rtlCol="0"/>
+          <a:lstStyle/>
+          <a:p>
+            <a:pPr lvl="0"/>
+            <a:r>
+              <a:rPr lang="en-GB"/>
+              <a:t>Click to edit Master text styles</a:t>
+            </a:r>
+          </a:p>
+          <a:p>
+            <a:pPr lvl="1"/>
+            <a:r>
+              <a:rPr lang="en-GB"/>
+              <a:t>Second level</a:t>
+            </a:r>
+          </a:p>
+          <a:p>
+            <a:pPr lvl="2"/>
+            <a:r>
+              <a:rPr lang="en-GB"/>
+              <a:t>Third level</a:t>
+            </a:r>
+          </a:p>
+          <a:p>
+            <a:pPr lvl="3"/>
+            <a:r>
+              <a:rPr lang="en-GB"/>
+              <a:t>Fourth level</a:t>
+            </a:r>
+          </a:p>
+          <a:p>
+            <a:pPr lvl="4"/>
+            <a:r>
+              <a:rPr lang="en-GB"/>
+              <a:t>Fifth level</a:t>
+            </a:r>
+            <a:endParaRPr lang="en-US"/>
+          </a:p>
+        </p:txBody>
+      </p:sp>
+      <p:sp>
+        <p:nvSpPr>
+          <p:cNvPr id="6" name="Footer Placeholder 5"/>
+          <p:cNvSpPr>
+            <a:spLocks noGrp="1"/>
+          </p:cNvSpPr>
+          <p:nvPr>
+            <p:ph type="ftr" sz="quarter" idx="4"/>
+          </p:nvPr>
+        </p:nvSpPr>
+        <p:spPr>
+          <a:xfrm>
+            <a:off x="0" y="8685213"/>
+            <a:ext cx="2971800" cy="458787"/>
+          </a:xfrm>
+          <a:prstGeom prst="rect">
+            <a:avLst/>
+          </a:prstGeom>
+        </p:spPr>
+        <p:txBody>
+          <a:bodyPr vert="horz" lIns="91440" tIns="45720" rIns="91440" bIns="45720" rtlCol="0" anchor="b"/>
+          <a:lstStyle>
+            <a:lvl1pPr algn="l">
+              <a:defRPr sz="1200"/>
+            </a:lvl1pPr>
+          </a:lstStyle>
+          <a:p>
+            <a:endParaRPr lang="en-US"/>
+          </a:p>
+        </p:txBody>
+      </p:sp>
+      <p:sp>
+        <p:nvSpPr>
+          <p:cNvPr id="7" name="Slide Number Placeholder 6"/>
+          <p:cNvSpPr>
+            <a:spLocks noGrp="1"/>
+          </p:cNvSpPr>
+          <p:nvPr>
+            <p:ph type="sldNum" sz="quarter" idx="5"/>
+          </p:nvPr>
+        </p:nvSpPr>
+        <p:spPr>
+          <a:xfrm>
+            <a:off x="3884613" y="8685213"/>
+            <a:ext cx="2971800" cy="458787"/>
+          </a:xfrm>
+          <a:prstGeom prst="rect">
+            <a:avLst/>
+          </a:prstGeom>
+        </p:spPr>
+        <p:txBody>
+          <a:bodyPr vert="horz" lIns="91440" tIns="45720" rIns="91440" bIns="45720" rtlCol="0" anchor="b"/>
+          <a:lstStyle>
+            <a:lvl1pPr algn="r">
+              <a:defRPr sz="1200"/>
+            </a:lvl1pPr>
+          </a:lstStyle>
+          <a:p>
+            <a:fld id="{F80F9F0F-B50C-6D4D-86E1-E6917905D99B}" type="slidenum">
+              <a:rPr lang="en-US" smtClean="0"/>
+              <a:t>‹#›</a:t>
+            </a:fld>
+            <a:endParaRPr lang="en-US"/>
+          </a:p>
+        </p:txBody>
+      </p:sp>
+    </p:spTree>
+    <p:extLst>
+      <p:ext uri="{BB962C8B-B14F-4D97-AF65-F5344CB8AC3E}">
+        <p14:creationId xmlns:p14="http://schemas.microsoft.com/office/powerpoint/2010/main" val="59758961"/>
+      </p:ext>
+    </p:extLst>
+  </p:cSld>
+  <p:clrMap bg1="lt1" tx1="dk1" bg2="lt2" tx2="dk2" accent1="accent1" accent2="accent2" accent3="accent3" accent4="accent4" accent5="accent5" accent6="accent6" hlink="hlink" folHlink="folHlink"/>
+  <p:notesStyle>
+    <a:lvl1pPr marL="0" algn="l" defTabSz="914400" rtl="0" eaLnBrk="1" latinLnBrk="0" hangingPunct="1">
+      <a:defRPr sz="1200" kern="1200">
+        <a:solidFill>
+          <a:schemeClr val="tx1"/>
+        </a:solidFill>
+        <a:latin typeface="+mn-lt"/>
+        <a:ea typeface="+mn-ea"/>
+        <a:cs typeface="+mn-cs"/>
+      </a:defRPr>
+    </a:lvl1pPr>
+    <a:lvl2pPr marL="457200" algn="l" defTabSz="914400" rtl="0" eaLnBrk="1" latinLnBrk="0" hangingPunct="1">
+      <a:defRPr sz="1200" kern="1200">
+        <a:solidFill>
+          <a:schemeClr val="tx1"/>
+        </a:solidFill>
+        <a:latin typeface="+mn-lt"/>
+        <a:ea typeface="+mn-ea"/>
+        <a:cs typeface="+mn-cs"/>
+      </a:defRPr>
+    </a:lvl2pPr>
+    <a:lvl3pPr marL="914400" algn="l" defTabSz="914400" rtl="0" eaLnBrk="1" latinLnBrk="0" hangingPunct="1">
+      <a:defRPr sz="1200" kern="1200">
+        <a:solidFill>
+          <a:schemeClr val="tx1"/>
+        </a:solidFill>
+        <a:latin typeface="+mn-lt"/>
+        <a:ea typeface="+mn-ea"/>
+        <a:cs typeface="+mn-cs"/>
+      </a:defRPr>
+    </a:lvl3pPr>
+    <a:lvl4pPr marL="1371600" algn="l" defTabSz="914400" rtl="0" eaLnBrk="1" latinLnBrk="0" hangingPunct="1">
+      <a:defRPr sz="1200" kern="1200">
+        <a:solidFill>
+          <a:schemeClr val="tx1"/>
+        </a:solidFill>
+        <a:latin typeface="+mn-lt"/>
+        <a:ea typeface="+mn-ea"/>
+        <a:cs typeface="+mn-cs"/>
+      </a:defRPr>
+    </a:lvl4pPr>
+    <a:lvl5pPr marL="1828800" algn="l" defTabSz="914400" rtl="0" eaLnBrk="1" latinLnBrk="0" hangingPunct="1">
+      <a:defRPr sz="1200" kern="1200">
+        <a:solidFill>
+          <a:schemeClr val="tx1"/>
+        </a:solidFill>
+        <a:latin typeface="+mn-lt"/>
+        <a:ea typeface="+mn-ea"/>
+        <a:cs typeface="+mn-cs"/>
+      </a:defRPr>
+    </a:lvl5pPr>
+    <a:lvl6pPr marL="2286000" algn="l" defTabSz="914400" rtl="0" eaLnBrk="1" latinLnBrk="0" hangingPunct="1">
+      <a:defRPr sz="1200" kern="1200">
+        <a:solidFill>
+          <a:schemeClr val="tx1"/>
+        </a:solidFill>
+        <a:latin typeface="+mn-lt"/>
+        <a:ea typeface="+mn-ea"/>
+        <a:cs typeface="+mn-cs"/>
+      </a:defRPr>
+    </a:lvl6pPr>
+    <a:lvl7pPr marL="2743200" algn="l" defTabSz="914400" rtl="0" eaLnBrk="1" latinLnBrk="0" hangingPunct="1">
+      <a:defRPr sz="1200" kern="1200">
+        <a:solidFill>
+          <a:schemeClr val="tx1"/>
+        </a:solidFill>
+        <a:latin typeface="+mn-lt"/>
+        <a:ea typeface="+mn-ea"/>
+        <a:cs typeface="+mn-cs"/>
+      </a:defRPr>
+    </a:lvl7pPr>
+    <a:lvl8pPr marL="3200400" algn="l" defTabSz="914400" rtl="0" eaLnBrk="1" latinLnBrk="0" hangingPunct="1">
+      <a:defRPr sz="1200" kern="1200">
+        <a:solidFill>
+          <a:schemeClr val="tx1"/>
+        </a:solidFill>
+        <a:latin typeface="+mn-lt"/>
+        <a:ea typeface="+mn-ea"/>
+        <a:cs typeface="+mn-cs"/>
+      </a:defRPr>
+    </a:lvl8pPr>
+    <a:lvl9pPr marL="3657600" algn="l" defTabSz="914400" rtl="0" eaLnBrk="1" latinLnBrk="0" hangingPunct="1">
+      <a:defRPr sz="1200" kern="1200">
+        <a:solidFill>
+          <a:schemeClr val="tx1"/>
+        </a:solidFill>
+        <a:latin typeface="+mn-lt"/>
+        <a:ea typeface="+mn-ea"/>
+        <a:cs typeface="+mn-cs"/>
+      </a:defRPr>
+    </a:lvl9pPr>
+  </p:notesStyle>
+</p:notesMaster>
+</file>
+
+<file path=ppt/notesSlides/notesSlide1.xml><?xml version="1.0" encoding="utf-8"?>
+<p:notes xmlns:a="http://schemas.openxmlformats.org/drawingml/2006/main" xmlns:r="http://schemas.openxmlformats.org/officeDocument/2006/relationships" xmlns:p="http://schemas.openxmlformats.org/presentationml/2006/main">
+  <p:cSld>
+    <p:spTree>
+      <p:nvGrpSpPr>
+        <p:cNvPr id="1" name=""/>
+        <p:cNvGrpSpPr/>
+        <p:nvPr/>
+      </p:nvGrpSpPr>
+      <p:grpSpPr>
+        <a:xfrm>
+          <a:off x="0" y="0"/>
+          <a:ext cx="0" cy="0"/>
+          <a:chOff x="0" y="0"/>
+          <a:chExt cx="0" cy="0"/>
+        </a:xfrm>
+      </p:grpSpPr>
+      <p:sp>
+        <p:nvSpPr>
+          <p:cNvPr id="2" name="Slide Image Placeholder 1"/>
+          <p:cNvSpPr>
+            <a:spLocks noGrp="1" noRot="1" noChangeAspect="1"/>
+          </p:cNvSpPr>
+          <p:nvPr>
+            <p:ph type="sldImg"/>
+          </p:nvPr>
+        </p:nvSpPr>
+        <p:spPr/>
+      </p:sp>
+      <p:sp>
+        <p:nvSpPr>
+          <p:cNvPr id="3" name="Notes Placeholder 2"/>
+          <p:cNvSpPr>
+            <a:spLocks noGrp="1"/>
+          </p:cNvSpPr>
+          <p:nvPr>
+            <p:ph type="body" idx="1"/>
+          </p:nvPr>
+        </p:nvSpPr>
+        <p:spPr/>
+        <p:txBody>
+          <a:bodyPr/>
+          <a:lstStyle/>
+          <a:p>
+            <a:endParaRPr lang="en-US" dirty="0"/>
+          </a:p>
+        </p:txBody>
+      </p:sp>
+      <p:sp>
+        <p:nvSpPr>
+          <p:cNvPr id="4" name="Slide Number Placeholder 3"/>
+          <p:cNvSpPr>
+            <a:spLocks noGrp="1"/>
+          </p:cNvSpPr>
+          <p:nvPr>
+            <p:ph type="sldNum" sz="quarter" idx="5"/>
+          </p:nvPr>
+        </p:nvSpPr>
+        <p:spPr/>
+        <p:txBody>
+          <a:bodyPr/>
+          <a:lstStyle/>
+          <a:p>
+            <a:fld id="{F80F9F0F-B50C-6D4D-86E1-E6917905D99B}" type="slidenum">
+              <a:rPr lang="en-US" smtClean="0"/>
+              <a:t>2</a:t>
+            </a:fld>
+            <a:endParaRPr lang="en-US"/>
+          </a:p>
+        </p:txBody>
+      </p:sp>
+    </p:spTree>
+    <p:extLst>
+      <p:ext uri="{BB962C8B-B14F-4D97-AF65-F5344CB8AC3E}">
+        <p14:creationId xmlns:p14="http://schemas.microsoft.com/office/powerpoint/2010/main" val="1774512025"/>
+      </p:ext>
+    </p:extLst>
+  </p:cSld>
+  <p:clrMapOvr>
+    <a:masterClrMapping/>
+  </p:clrMapOvr>
+</p:notes>
+</file>
+
 <file path=ppt/slideLayouts/slideLayout1.xml><?xml version="1.0" encoding="utf-8"?>
 <p:sldLayout xmlns:a="http://schemas.openxmlformats.org/drawingml/2006/main" xmlns:r="http://schemas.openxmlformats.org/officeDocument/2006/relationships" xmlns:p="http://schemas.openxmlformats.org/presentationml/2006/main" type="title" preserve="1">
   <p:cSld name="Title Slide">
@@ -264,7 +701,7 @@
           <a:p>
             <a:fld id="{A36DE23B-E978-439D-B0DE-120F355F8C00}" type="datetimeFigureOut">
               <a:rPr lang="en-GB" smtClean="0"/>
-              <a:t>23/05/2024</a:t>
+              <a:t>27/05/2024</a:t>
             </a:fld>
             <a:endParaRPr lang="en-GB"/>
           </a:p>
@@ -464,7 +901,7 @@
           <a:p>
             <a:fld id="{A36DE23B-E978-439D-B0DE-120F355F8C00}" type="datetimeFigureOut">
               <a:rPr lang="en-GB" smtClean="0"/>
-              <a:t>23/05/2024</a:t>
+              <a:t>27/05/2024</a:t>
             </a:fld>
             <a:endParaRPr lang="en-GB"/>
           </a:p>
@@ -674,7 +1111,7 @@
           <a:p>
             <a:fld id="{A36DE23B-E978-439D-B0DE-120F355F8C00}" type="datetimeFigureOut">
               <a:rPr lang="en-GB" smtClean="0"/>
-              <a:t>23/05/2024</a:t>
+              <a:t>27/05/2024</a:t>
             </a:fld>
             <a:endParaRPr lang="en-GB"/>
           </a:p>
@@ -874,7 +1311,7 @@
           <a:p>
             <a:fld id="{A36DE23B-E978-439D-B0DE-120F355F8C00}" type="datetimeFigureOut">
               <a:rPr lang="en-GB" smtClean="0"/>
-              <a:t>23/05/2024</a:t>
+              <a:t>27/05/2024</a:t>
             </a:fld>
             <a:endParaRPr lang="en-GB"/>
           </a:p>
@@ -1150,7 +1587,7 @@
           <a:p>
             <a:fld id="{A36DE23B-E978-439D-B0DE-120F355F8C00}" type="datetimeFigureOut">
               <a:rPr lang="en-GB" smtClean="0"/>
-              <a:t>23/05/2024</a:t>
+              <a:t>27/05/2024</a:t>
             </a:fld>
             <a:endParaRPr lang="en-GB"/>
           </a:p>
@@ -1418,7 +1855,7 @@
           <a:p>
             <a:fld id="{A36DE23B-E978-439D-B0DE-120F355F8C00}" type="datetimeFigureOut">
               <a:rPr lang="en-GB" smtClean="0"/>
-              <a:t>23/05/2024</a:t>
+              <a:t>27/05/2024</a:t>
             </a:fld>
             <a:endParaRPr lang="en-GB"/>
           </a:p>
@@ -1833,7 +2270,7 @@
           <a:p>
             <a:fld id="{A36DE23B-E978-439D-B0DE-120F355F8C00}" type="datetimeFigureOut">
               <a:rPr lang="en-GB" smtClean="0"/>
-              <a:t>23/05/2024</a:t>
+              <a:t>27/05/2024</a:t>
             </a:fld>
             <a:endParaRPr lang="en-GB"/>
           </a:p>
@@ -1975,7 +2412,7 @@
           <a:p>
             <a:fld id="{A36DE23B-E978-439D-B0DE-120F355F8C00}" type="datetimeFigureOut">
               <a:rPr lang="en-GB" smtClean="0"/>
-              <a:t>23/05/2024</a:t>
+              <a:t>27/05/2024</a:t>
             </a:fld>
             <a:endParaRPr lang="en-GB"/>
           </a:p>
@@ -2088,7 +2525,7 @@
           <a:p>
             <a:fld id="{A36DE23B-E978-439D-B0DE-120F355F8C00}" type="datetimeFigureOut">
               <a:rPr lang="en-GB" smtClean="0"/>
-              <a:t>23/05/2024</a:t>
+              <a:t>27/05/2024</a:t>
             </a:fld>
             <a:endParaRPr lang="en-GB"/>
           </a:p>
@@ -2401,7 +2838,7 @@
           <a:p>
             <a:fld id="{A36DE23B-E978-439D-B0DE-120F355F8C00}" type="datetimeFigureOut">
               <a:rPr lang="en-GB" smtClean="0"/>
-              <a:t>23/05/2024</a:t>
+              <a:t>27/05/2024</a:t>
             </a:fld>
             <a:endParaRPr lang="en-GB"/>
           </a:p>
@@ -2690,7 +3127,7 @@
           <a:p>
             <a:fld id="{A36DE23B-E978-439D-B0DE-120F355F8C00}" type="datetimeFigureOut">
               <a:rPr lang="en-GB" smtClean="0"/>
-              <a:t>23/05/2024</a:t>
+              <a:t>27/05/2024</a:t>
             </a:fld>
             <a:endParaRPr lang="en-GB"/>
           </a:p>
@@ -2933,7 +3370,7 @@
           <a:p>
             <a:fld id="{A36DE23B-E978-439D-B0DE-120F355F8C00}" type="datetimeFigureOut">
               <a:rPr lang="en-GB" smtClean="0"/>
-              <a:t>23/05/2024</a:t>
+              <a:t>27/05/2024</a:t>
             </a:fld>
             <a:endParaRPr lang="en-GB"/>
           </a:p>
@@ -4573,7 +5010,7 @@
         </p:nvSpPr>
         <p:spPr>
           <a:xfrm>
-            <a:off x="660041" y="2767106"/>
+            <a:off x="578888" y="845422"/>
             <a:ext cx="2880828" cy="3071906"/>
           </a:xfrm>
           <a:prstGeom prst="rect">
@@ -4587,7 +5024,7 @@
           <a:lstStyle/>
           <a:p>
             <a:r>
-              <a:rPr lang="en-US" sz="4000" kern="1200">
+              <a:rPr lang="en-US" sz="4000" kern="1200" dirty="0">
                 <a:solidFill>
                   <a:srgbClr val="FFFFFF"/>
                 </a:solidFill>
@@ -4595,7 +5032,7 @@
                 <a:ea typeface="+mj-ea"/>
                 <a:cs typeface="+mj-cs"/>
               </a:rPr>
-              <a:t>Project Objective</a:t>
+              <a:t>Problem Statement</a:t>
             </a:r>
           </a:p>
         </p:txBody>
@@ -4885,7 +5322,7 @@
         </p:nvSpPr>
         <p:spPr>
           <a:xfrm>
-            <a:off x="4501767" y="3243215"/>
+            <a:off x="4636164" y="3164253"/>
             <a:ext cx="7030192" cy="3693319"/>
           </a:xfrm>
           <a:prstGeom prst="rect">
@@ -4905,7 +5342,15 @@
             </a:pPr>
             <a:r>
               <a:rPr lang="en-US" dirty="0"/>
-              <a:t>A typical ECG signal contains frequency components between 1 and 50 Hz.</a:t>
+              <a:t>A typical ECG signal contains frequency components between </a:t>
+            </a:r>
+            <a:r>
+              <a:rPr lang="en-US" b="1" dirty="0"/>
+              <a:t>1 and 50 Hz</a:t>
+            </a:r>
+            <a:r>
+              <a:rPr lang="en-US" dirty="0"/>
+              <a:t>.</a:t>
             </a:r>
           </a:p>
           <a:p>
@@ -5013,6 +5458,36 @@
           </a:p>
         </p:txBody>
       </p:sp>
+      <p:pic>
+        <p:nvPicPr>
+          <p:cNvPr id="5" name="Picture 4">
+            <a:extLst>
+              <a:ext uri="{FF2B5EF4-FFF2-40B4-BE49-F238E27FC236}">
+                <a16:creationId xmlns:a16="http://schemas.microsoft.com/office/drawing/2014/main" id="{8F32720C-1B7A-2A44-54BF-7DBE85BFC7F0}"/>
+              </a:ext>
+            </a:extLst>
+          </p:cNvPr>
+          <p:cNvPicPr>
+            <a:picLocks noChangeAspect="1"/>
+          </p:cNvPicPr>
+          <p:nvPr/>
+        </p:nvPicPr>
+        <p:blipFill>
+          <a:blip r:embed="rId3"/>
+          <a:stretch>
+            <a:fillRect/>
+          </a:stretch>
+        </p:blipFill>
+        <p:spPr>
+          <a:xfrm>
+            <a:off x="354105" y="2540259"/>
+            <a:ext cx="3285752" cy="1854200"/>
+          </a:xfrm>
+          <a:prstGeom prst="rect">
+            <a:avLst/>
+          </a:prstGeom>
+        </p:spPr>
+      </p:pic>
     </p:spTree>
     <p:extLst>
       <p:ext uri="{BB962C8B-B14F-4D97-AF65-F5344CB8AC3E}">
@@ -6682,7 +7157,7 @@
                 <a:effectLst/>
                 <a:latin typeface="Söhne"/>
               </a:rPr>
-              <a:t> Evaluate various machine learning (e.g., SVM, Random Forest) and deep learning models (e.g., CNN, LSTM).</a:t>
+              <a:t> Evaluate various machine learning (e.g., SVM, Random Forest, PCA with KNN) and deep learning models (e.g., CNN, RNN with LSTM, Auto Encoders, GAN’s).</a:t>
             </a:r>
           </a:p>
           <a:p>
@@ -6718,7 +7193,27 @@
                 <a:effectLst/>
                 <a:latin typeface="Söhne"/>
               </a:rPr>
-              <a:t> Train models using the reference database, optimizing for noise removal efficiency. An enhanced Loss function (WEDD) will be employed in an attempt to improve learning capability.</a:t>
+              <a:t> Train models using the reference database, optimizing for noise removal efficiency. An enhanced </a:t>
+            </a:r>
+            <a:r>
+              <a:rPr lang="en-GB" sz="1600" b="1" i="1" u="none" strike="noStrike" dirty="0">
+                <a:solidFill>
+                  <a:srgbClr val="0D0D0D"/>
+                </a:solidFill>
+                <a:effectLst/>
+                <a:latin typeface="Söhne"/>
+              </a:rPr>
+              <a:t>Loss function (WEDD) </a:t>
+            </a:r>
+            <a:r>
+              <a:rPr lang="en-GB" sz="1600" b="0" i="1" u="none" strike="noStrike" dirty="0">
+                <a:solidFill>
+                  <a:srgbClr val="0D0D0D"/>
+                </a:solidFill>
+                <a:effectLst/>
+                <a:latin typeface="Söhne"/>
+              </a:rPr>
+              <a:t>will be employed in an attempt to improve learning capability.</a:t>
             </a:r>
           </a:p>
           <a:p>
@@ -7126,4 +7621,319 @@
     </a:ext>
   </a:extLst>
 </a:theme>
+</file>
+
+<file path=ppt/theme/theme2.xml><?xml version="1.0" encoding="utf-8"?>
+<a:theme xmlns:a="http://schemas.openxmlformats.org/drawingml/2006/main" name="Office Theme">
+  <a:themeElements>
+    <a:clrScheme name="Office">
+      <a:dk1>
+        <a:sysClr val="windowText" lastClr="000000"/>
+      </a:dk1>
+      <a:lt1>
+        <a:sysClr val="window" lastClr="FFFFFF"/>
+      </a:lt1>
+      <a:dk2>
+        <a:srgbClr val="0E2841"/>
+      </a:dk2>
+      <a:lt2>
+        <a:srgbClr val="E8E8E8"/>
+      </a:lt2>
+      <a:accent1>
+        <a:srgbClr val="156082"/>
+      </a:accent1>
+      <a:accent2>
+        <a:srgbClr val="E97132"/>
+      </a:accent2>
+      <a:accent3>
+        <a:srgbClr val="196B24"/>
+      </a:accent3>
+      <a:accent4>
+        <a:srgbClr val="0F9ED5"/>
+      </a:accent4>
+      <a:accent5>
+        <a:srgbClr val="A02B93"/>
+      </a:accent5>
+      <a:accent6>
+        <a:srgbClr val="4EA72E"/>
+      </a:accent6>
+      <a:hlink>
+        <a:srgbClr val="467886"/>
+      </a:hlink>
+      <a:folHlink>
+        <a:srgbClr val="96607D"/>
+      </a:folHlink>
+    </a:clrScheme>
+    <a:fontScheme name="Office">
+      <a:majorFont>
+        <a:latin typeface="Aptos Display" panose="02110004020202020204"/>
+        <a:ea typeface=""/>
+        <a:cs typeface=""/>
+        <a:font script="Jpan" typeface="游ゴシック Light"/>
+        <a:font script="Hang" typeface="맑은 고딕"/>
+        <a:font script="Hans" typeface="等线 Light"/>
+        <a:font script="Hant" typeface="新細明體"/>
+        <a:font script="Arab" typeface="Times New Roman"/>
+        <a:font script="Hebr" typeface="Times New Roman"/>
+        <a:font script="Thai" typeface="Angsana New"/>
+        <a:font script="Ethi" typeface="Nyala"/>
+        <a:font script="Beng" typeface="Vrinda"/>
+        <a:font script="Gujr" typeface="Shruti"/>
+        <a:font script="Khmr" typeface="MoolBoran"/>
+        <a:font script="Knda" typeface="Tunga"/>
+        <a:font script="Guru" typeface="Raavi"/>
+        <a:font script="Cans" typeface="Euphemia"/>
+        <a:font script="Cher" typeface="Plantagenet Cherokee"/>
+        <a:font script="Yiii" typeface="Microsoft Yi Baiti"/>
+        <a:font script="Tibt" typeface="Microsoft Himalaya"/>
+        <a:font script="Thaa" typeface="MV Boli"/>
+        <a:font script="Deva" typeface="Mangal"/>
+        <a:font script="Telu" typeface="Gautami"/>
+        <a:font script="Taml" typeface="Latha"/>
+        <a:font script="Syrc" typeface="Estrangelo Edessa"/>
+        <a:font script="Orya" typeface="Kalinga"/>
+        <a:font script="Mlym" typeface="Kartika"/>
+        <a:font script="Laoo" typeface="DokChampa"/>
+        <a:font script="Sinh" typeface="Iskoola Pota"/>
+        <a:font script="Mong" typeface="Mongolian Baiti"/>
+        <a:font script="Viet" typeface="Times New Roman"/>
+        <a:font script="Uigh" typeface="Microsoft Uighur"/>
+        <a:font script="Geor" typeface="Sylfaen"/>
+        <a:font script="Armn" typeface="Arial"/>
+        <a:font script="Bugi" typeface="Leelawadee UI"/>
+        <a:font script="Bopo" typeface="Microsoft JhengHei"/>
+        <a:font script="Java" typeface="Javanese Text"/>
+        <a:font script="Lisu" typeface="Segoe UI"/>
+        <a:font script="Mymr" typeface="Myanmar Text"/>
+        <a:font script="Nkoo" typeface="Ebrima"/>
+        <a:font script="Olck" typeface="Nirmala UI"/>
+        <a:font script="Osma" typeface="Ebrima"/>
+        <a:font script="Phag" typeface="Phagspa"/>
+        <a:font script="Syrn" typeface="Estrangelo Edessa"/>
+        <a:font script="Syrj" typeface="Estrangelo Edessa"/>
+        <a:font script="Syre" typeface="Estrangelo Edessa"/>
+        <a:font script="Sora" typeface="Nirmala UI"/>
+        <a:font script="Tale" typeface="Microsoft Tai Le"/>
+        <a:font script="Talu" typeface="Microsoft New Tai Lue"/>
+        <a:font script="Tfng" typeface="Ebrima"/>
+      </a:majorFont>
+      <a:minorFont>
+        <a:latin typeface="Aptos" panose="02110004020202020204"/>
+        <a:ea typeface=""/>
+        <a:cs typeface=""/>
+        <a:font script="Jpan" typeface="游ゴシック"/>
+        <a:font script="Hang" typeface="맑은 고딕"/>
+        <a:font script="Hans" typeface="等线"/>
+        <a:font script="Hant" typeface="新細明體"/>
+        <a:font script="Arab" typeface="Arial"/>
+        <a:font script="Hebr" typeface="Arial"/>
+        <a:font script="Thai" typeface="Cordia New"/>
+        <a:font script="Ethi" typeface="Nyala"/>
+        <a:font script="Beng" typeface="Vrinda"/>
+        <a:font script="Gujr" typeface="Shruti"/>
+        <a:font script="Khmr" typeface="DaunPenh"/>
+        <a:font script="Knda" typeface="Tunga"/>
+        <a:font script="Guru" typeface="Raavi"/>
+        <a:font script="Cans" typeface="Euphemia"/>
+        <a:font script="Cher" typeface="Plantagenet Cherokee"/>
+        <a:font script="Yiii" typeface="Microsoft Yi Baiti"/>
+        <a:font script="Tibt" typeface="Microsoft Himalaya"/>
+        <a:font script="Thaa" typeface="MV Boli"/>
+        <a:font script="Deva" typeface="Mangal"/>
+        <a:font script="Telu" typeface="Gautami"/>
+        <a:font script="Taml" typeface="Latha"/>
+        <a:font script="Syrc" typeface="Estrangelo Edessa"/>
+        <a:font script="Orya" typeface="Kalinga"/>
+        <a:font script="Mlym" typeface="Kartika"/>
+        <a:font script="Laoo" typeface="DokChampa"/>
+        <a:font script="Sinh" typeface="Iskoola Pota"/>
+        <a:font script="Mong" typeface="Mongolian Baiti"/>
+        <a:font script="Viet" typeface="Arial"/>
+        <a:font script="Uigh" typeface="Microsoft Uighur"/>
+        <a:font script="Geor" typeface="Sylfaen"/>
+        <a:font script="Armn" typeface="Arial"/>
+        <a:font script="Bugi" typeface="Leelawadee UI"/>
+        <a:font script="Bopo" typeface="Microsoft JhengHei"/>
+        <a:font script="Java" typeface="Javanese Text"/>
+        <a:font script="Lisu" typeface="Segoe UI"/>
+        <a:font script="Mymr" typeface="Myanmar Text"/>
+        <a:font script="Nkoo" typeface="Ebrima"/>
+        <a:font script="Olck" typeface="Nirmala UI"/>
+        <a:font script="Osma" typeface="Ebrima"/>
+        <a:font script="Phag" typeface="Phagspa"/>
+        <a:font script="Syrn" typeface="Estrangelo Edessa"/>
+        <a:font script="Syrj" typeface="Estrangelo Edessa"/>
+        <a:font script="Syre" typeface="Estrangelo Edessa"/>
+        <a:font script="Sora" typeface="Nirmala UI"/>
+        <a:font script="Tale" typeface="Microsoft Tai Le"/>
+        <a:font script="Talu" typeface="Microsoft New Tai Lue"/>
+        <a:font script="Tfng" typeface="Ebrima"/>
+      </a:minorFont>
+    </a:fontScheme>
+    <a:fmtScheme name="Office">
+      <a:fillStyleLst>
+        <a:solidFill>
+          <a:schemeClr val="phClr"/>
+        </a:solidFill>
+        <a:gradFill rotWithShape="1">
+          <a:gsLst>
+            <a:gs pos="0">
+              <a:schemeClr val="phClr">
+                <a:lumMod val="110000"/>
+                <a:satMod val="105000"/>
+                <a:tint val="67000"/>
+              </a:schemeClr>
+            </a:gs>
+            <a:gs pos="50000">
+              <a:schemeClr val="phClr">
+                <a:lumMod val="105000"/>
+                <a:satMod val="103000"/>
+                <a:tint val="73000"/>
+              </a:schemeClr>
+            </a:gs>
+            <a:gs pos="100000">
+              <a:schemeClr val="phClr">
+                <a:lumMod val="105000"/>
+                <a:satMod val="109000"/>
+                <a:tint val="81000"/>
+              </a:schemeClr>
+            </a:gs>
+          </a:gsLst>
+          <a:lin ang="5400000" scaled="0"/>
+        </a:gradFill>
+        <a:gradFill rotWithShape="1">
+          <a:gsLst>
+            <a:gs pos="0">
+              <a:schemeClr val="phClr">
+                <a:satMod val="103000"/>
+                <a:lumMod val="102000"/>
+                <a:tint val="94000"/>
+              </a:schemeClr>
+            </a:gs>
+            <a:gs pos="50000">
+              <a:schemeClr val="phClr">
+                <a:satMod val="110000"/>
+                <a:lumMod val="100000"/>
+                <a:shade val="100000"/>
+              </a:schemeClr>
+            </a:gs>
+            <a:gs pos="100000">
+              <a:schemeClr val="phClr">
+                <a:lumMod val="99000"/>
+                <a:satMod val="120000"/>
+                <a:shade val="78000"/>
+              </a:schemeClr>
+            </a:gs>
+          </a:gsLst>
+          <a:lin ang="5400000" scaled="0"/>
+        </a:gradFill>
+      </a:fillStyleLst>
+      <a:lnStyleLst>
+        <a:ln w="12700" cap="flat" cmpd="sng" algn="ctr">
+          <a:solidFill>
+            <a:schemeClr val="phClr"/>
+          </a:solidFill>
+          <a:prstDash val="solid"/>
+          <a:miter lim="800000"/>
+        </a:ln>
+        <a:ln w="19050" cap="flat" cmpd="sng" algn="ctr">
+          <a:solidFill>
+            <a:schemeClr val="phClr"/>
+          </a:solidFill>
+          <a:prstDash val="solid"/>
+          <a:miter lim="800000"/>
+        </a:ln>
+        <a:ln w="25400" cap="flat" cmpd="sng" algn="ctr">
+          <a:solidFill>
+            <a:schemeClr val="phClr"/>
+          </a:solidFill>
+          <a:prstDash val="solid"/>
+          <a:miter lim="800000"/>
+        </a:ln>
+      </a:lnStyleLst>
+      <a:effectStyleLst>
+        <a:effectStyle>
+          <a:effectLst/>
+        </a:effectStyle>
+        <a:effectStyle>
+          <a:effectLst/>
+        </a:effectStyle>
+        <a:effectStyle>
+          <a:effectLst>
+            <a:outerShdw blurRad="57150" dist="19050" dir="5400000" algn="ctr" rotWithShape="0">
+              <a:srgbClr val="000000">
+                <a:alpha val="63000"/>
+              </a:srgbClr>
+            </a:outerShdw>
+          </a:effectLst>
+        </a:effectStyle>
+      </a:effectStyleLst>
+      <a:bgFillStyleLst>
+        <a:solidFill>
+          <a:schemeClr val="phClr"/>
+        </a:solidFill>
+        <a:solidFill>
+          <a:schemeClr val="phClr">
+            <a:tint val="95000"/>
+            <a:satMod val="170000"/>
+          </a:schemeClr>
+        </a:solidFill>
+        <a:gradFill rotWithShape="1">
+          <a:gsLst>
+            <a:gs pos="0">
+              <a:schemeClr val="phClr">
+                <a:tint val="93000"/>
+                <a:satMod val="150000"/>
+                <a:shade val="98000"/>
+                <a:lumMod val="102000"/>
+              </a:schemeClr>
+            </a:gs>
+            <a:gs pos="50000">
+              <a:schemeClr val="phClr">
+                <a:tint val="98000"/>
+                <a:satMod val="130000"/>
+                <a:shade val="90000"/>
+                <a:lumMod val="103000"/>
+              </a:schemeClr>
+            </a:gs>
+            <a:gs pos="100000">
+              <a:schemeClr val="phClr">
+                <a:shade val="63000"/>
+                <a:satMod val="120000"/>
+              </a:schemeClr>
+            </a:gs>
+          </a:gsLst>
+          <a:lin ang="5400000" scaled="0"/>
+        </a:gradFill>
+      </a:bgFillStyleLst>
+    </a:fmtScheme>
+  </a:themeElements>
+  <a:objectDefaults>
+    <a:lnDef>
+      <a:spPr/>
+      <a:bodyPr/>
+      <a:lstStyle/>
+      <a:style>
+        <a:lnRef idx="2">
+          <a:schemeClr val="accent1"/>
+        </a:lnRef>
+        <a:fillRef idx="0">
+          <a:schemeClr val="accent1"/>
+        </a:fillRef>
+        <a:effectRef idx="1">
+          <a:schemeClr val="accent1"/>
+        </a:effectRef>
+        <a:fontRef idx="minor">
+          <a:schemeClr val="tx1"/>
+        </a:fontRef>
+      </a:style>
+    </a:lnDef>
+  </a:objectDefaults>
+  <a:extraClrSchemeLst/>
+  <a:extLst>
+    <a:ext uri="{05A4C25C-085E-4340-85A3-A5531E510DB2}">
+      <thm15:themeFamily xmlns:thm15="http://schemas.microsoft.com/office/thememl/2012/main" name="Office Theme" id="{2E142A2C-CD16-42D6-873A-C26D2A0506FA}" vid="{1BDDFF52-6CD6-40A5-AB3C-68EB2F1E4D0A}"/>
+    </a:ext>
+  </a:extLst>
+</a:theme>
 </file>